--- a/Diagnostics/local/Linear_theory/mass25/mass25_nonlinear_test.pptx
+++ b/Diagnostics/local/Linear_theory/mass25/mass25_nonlinear_test.pptx
@@ -243,7 +243,7 @@
           <a:p>
             <a:fld id="{C83566F0-4E73-4508-8173-4F780CF072B3}" type="datetimeFigureOut">
               <a:rPr lang="en-US" smtClean="0"/>
-              <a:t>7/4/2023</a:t>
+              <a:t>8/14/2023</a:t>
             </a:fld>
             <a:endParaRPr lang="en-US"/>
           </a:p>
@@ -413,7 +413,7 @@
           <a:p>
             <a:fld id="{C83566F0-4E73-4508-8173-4F780CF072B3}" type="datetimeFigureOut">
               <a:rPr lang="en-US" smtClean="0"/>
-              <a:t>7/4/2023</a:t>
+              <a:t>8/14/2023</a:t>
             </a:fld>
             <a:endParaRPr lang="en-US"/>
           </a:p>
@@ -593,7 +593,7 @@
           <a:p>
             <a:fld id="{C83566F0-4E73-4508-8173-4F780CF072B3}" type="datetimeFigureOut">
               <a:rPr lang="en-US" smtClean="0"/>
-              <a:t>7/4/2023</a:t>
+              <a:t>8/14/2023</a:t>
             </a:fld>
             <a:endParaRPr lang="en-US"/>
           </a:p>
@@ -763,7 +763,7 @@
           <a:p>
             <a:fld id="{C83566F0-4E73-4508-8173-4F780CF072B3}" type="datetimeFigureOut">
               <a:rPr lang="en-US" smtClean="0"/>
-              <a:t>7/4/2023</a:t>
+              <a:t>8/14/2023</a:t>
             </a:fld>
             <a:endParaRPr lang="en-US"/>
           </a:p>
@@ -1007,7 +1007,7 @@
           <a:p>
             <a:fld id="{C83566F0-4E73-4508-8173-4F780CF072B3}" type="datetimeFigureOut">
               <a:rPr lang="en-US" smtClean="0"/>
-              <a:t>7/4/2023</a:t>
+              <a:t>8/14/2023</a:t>
             </a:fld>
             <a:endParaRPr lang="en-US"/>
           </a:p>
@@ -1239,7 +1239,7 @@
           <a:p>
             <a:fld id="{C83566F0-4E73-4508-8173-4F780CF072B3}" type="datetimeFigureOut">
               <a:rPr lang="en-US" smtClean="0"/>
-              <a:t>7/4/2023</a:t>
+              <a:t>8/14/2023</a:t>
             </a:fld>
             <a:endParaRPr lang="en-US"/>
           </a:p>
@@ -1606,7 +1606,7 @@
           <a:p>
             <a:fld id="{C83566F0-4E73-4508-8173-4F780CF072B3}" type="datetimeFigureOut">
               <a:rPr lang="en-US" smtClean="0"/>
-              <a:t>7/4/2023</a:t>
+              <a:t>8/14/2023</a:t>
             </a:fld>
             <a:endParaRPr lang="en-US"/>
           </a:p>
@@ -1724,7 +1724,7 @@
           <a:p>
             <a:fld id="{C83566F0-4E73-4508-8173-4F780CF072B3}" type="datetimeFigureOut">
               <a:rPr lang="en-US" smtClean="0"/>
-              <a:t>7/4/2023</a:t>
+              <a:t>8/14/2023</a:t>
             </a:fld>
             <a:endParaRPr lang="en-US"/>
           </a:p>
@@ -1819,7 +1819,7 @@
           <a:p>
             <a:fld id="{C83566F0-4E73-4508-8173-4F780CF072B3}" type="datetimeFigureOut">
               <a:rPr lang="en-US" smtClean="0"/>
-              <a:t>7/4/2023</a:t>
+              <a:t>8/14/2023</a:t>
             </a:fld>
             <a:endParaRPr lang="en-US"/>
           </a:p>
@@ -2096,7 +2096,7 @@
           <a:p>
             <a:fld id="{C83566F0-4E73-4508-8173-4F780CF072B3}" type="datetimeFigureOut">
               <a:rPr lang="en-US" smtClean="0"/>
-              <a:t>7/4/2023</a:t>
+              <a:t>8/14/2023</a:t>
             </a:fld>
             <a:endParaRPr lang="en-US"/>
           </a:p>
@@ -2353,7 +2353,7 @@
           <a:p>
             <a:fld id="{C83566F0-4E73-4508-8173-4F780CF072B3}" type="datetimeFigureOut">
               <a:rPr lang="en-US" smtClean="0"/>
-              <a:t>7/4/2023</a:t>
+              <a:t>8/14/2023</a:t>
             </a:fld>
             <a:endParaRPr lang="en-US"/>
           </a:p>
@@ -2566,7 +2566,7 @@
           <a:p>
             <a:fld id="{C83566F0-4E73-4508-8173-4F780CF072B3}" type="datetimeFigureOut">
               <a:rPr lang="en-US" smtClean="0"/>
-              <a:t>7/4/2023</a:t>
+              <a:t>8/14/2023</a:t>
             </a:fld>
             <a:endParaRPr lang="en-US"/>
           </a:p>
@@ -2973,10 +2973,10 @@
       </p:grpSpPr>
       <p:pic>
         <p:nvPicPr>
-          <p:cNvPr id="3" name="Picture 2">
+          <p:cNvPr id="4" name="Picture 3">
             <a:extLst>
               <a:ext uri="{FF2B5EF4-FFF2-40B4-BE49-F238E27FC236}">
-                <a16:creationId xmlns:a16="http://schemas.microsoft.com/office/drawing/2014/main" id="{89B78082-63C5-4051-BE49-01733C3D6F05}"/>
+                <a16:creationId xmlns:a16="http://schemas.microsoft.com/office/drawing/2014/main" id="{7C65DC89-2B4B-437A-BD03-53279E0435AD}"/>
               </a:ext>
             </a:extLst>
           </p:cNvPr>

--- a/Diagnostics/local/Linear_theory/mass25/mass25_nonlinear_test.pptx
+++ b/Diagnostics/local/Linear_theory/mass25/mass25_nonlinear_test.pptx
@@ -243,7 +243,7 @@
           <a:p>
             <a:fld id="{C83566F0-4E73-4508-8173-4F780CF072B3}" type="datetimeFigureOut">
               <a:rPr lang="en-US" smtClean="0"/>
-              <a:t>7/4/2023</a:t>
+              <a:t>8/25/23</a:t>
             </a:fld>
             <a:endParaRPr lang="en-US"/>
           </a:p>
@@ -413,7 +413,7 @@
           <a:p>
             <a:fld id="{C83566F0-4E73-4508-8173-4F780CF072B3}" type="datetimeFigureOut">
               <a:rPr lang="en-US" smtClean="0"/>
-              <a:t>7/4/2023</a:t>
+              <a:t>8/25/23</a:t>
             </a:fld>
             <a:endParaRPr lang="en-US"/>
           </a:p>
@@ -593,7 +593,7 @@
           <a:p>
             <a:fld id="{C83566F0-4E73-4508-8173-4F780CF072B3}" type="datetimeFigureOut">
               <a:rPr lang="en-US" smtClean="0"/>
-              <a:t>7/4/2023</a:t>
+              <a:t>8/25/23</a:t>
             </a:fld>
             <a:endParaRPr lang="en-US"/>
           </a:p>
@@ -763,7 +763,7 @@
           <a:p>
             <a:fld id="{C83566F0-4E73-4508-8173-4F780CF072B3}" type="datetimeFigureOut">
               <a:rPr lang="en-US" smtClean="0"/>
-              <a:t>7/4/2023</a:t>
+              <a:t>8/25/23</a:t>
             </a:fld>
             <a:endParaRPr lang="en-US"/>
           </a:p>
@@ -1007,7 +1007,7 @@
           <a:p>
             <a:fld id="{C83566F0-4E73-4508-8173-4F780CF072B3}" type="datetimeFigureOut">
               <a:rPr lang="en-US" smtClean="0"/>
-              <a:t>7/4/2023</a:t>
+              <a:t>8/25/23</a:t>
             </a:fld>
             <a:endParaRPr lang="en-US"/>
           </a:p>
@@ -1239,7 +1239,7 @@
           <a:p>
             <a:fld id="{C83566F0-4E73-4508-8173-4F780CF072B3}" type="datetimeFigureOut">
               <a:rPr lang="en-US" smtClean="0"/>
-              <a:t>7/4/2023</a:t>
+              <a:t>8/25/23</a:t>
             </a:fld>
             <a:endParaRPr lang="en-US"/>
           </a:p>
@@ -1606,7 +1606,7 @@
           <a:p>
             <a:fld id="{C83566F0-4E73-4508-8173-4F780CF072B3}" type="datetimeFigureOut">
               <a:rPr lang="en-US" smtClean="0"/>
-              <a:t>7/4/2023</a:t>
+              <a:t>8/25/23</a:t>
             </a:fld>
             <a:endParaRPr lang="en-US"/>
           </a:p>
@@ -1724,7 +1724,7 @@
           <a:p>
             <a:fld id="{C83566F0-4E73-4508-8173-4F780CF072B3}" type="datetimeFigureOut">
               <a:rPr lang="en-US" smtClean="0"/>
-              <a:t>7/4/2023</a:t>
+              <a:t>8/25/23</a:t>
             </a:fld>
             <a:endParaRPr lang="en-US"/>
           </a:p>
@@ -1819,7 +1819,7 @@
           <a:p>
             <a:fld id="{C83566F0-4E73-4508-8173-4F780CF072B3}" type="datetimeFigureOut">
               <a:rPr lang="en-US" smtClean="0"/>
-              <a:t>7/4/2023</a:t>
+              <a:t>8/25/23</a:t>
             </a:fld>
             <a:endParaRPr lang="en-US"/>
           </a:p>
@@ -2096,7 +2096,7 @@
           <a:p>
             <a:fld id="{C83566F0-4E73-4508-8173-4F780CF072B3}" type="datetimeFigureOut">
               <a:rPr lang="en-US" smtClean="0"/>
-              <a:t>7/4/2023</a:t>
+              <a:t>8/25/23</a:t>
             </a:fld>
             <a:endParaRPr lang="en-US"/>
           </a:p>
@@ -2353,7 +2353,7 @@
           <a:p>
             <a:fld id="{C83566F0-4E73-4508-8173-4F780CF072B3}" type="datetimeFigureOut">
               <a:rPr lang="en-US" smtClean="0"/>
-              <a:t>7/4/2023</a:t>
+              <a:t>8/25/23</a:t>
             </a:fld>
             <a:endParaRPr lang="en-US"/>
           </a:p>
@@ -2566,7 +2566,7 @@
           <a:p>
             <a:fld id="{C83566F0-4E73-4508-8173-4F780CF072B3}" type="datetimeFigureOut">
               <a:rPr lang="en-US" smtClean="0"/>
-              <a:t>7/4/2023</a:t>
+              <a:t>8/25/23</a:t>
             </a:fld>
             <a:endParaRPr lang="en-US"/>
           </a:p>
@@ -2973,10 +2973,10 @@
       </p:grpSpPr>
       <p:pic>
         <p:nvPicPr>
-          <p:cNvPr id="3" name="Picture 2">
+          <p:cNvPr id="4" name="Picture 3" descr="A group of graphs showing different numbers&#10;&#10;Description automatically generated with medium confidence">
             <a:extLst>
               <a:ext uri="{FF2B5EF4-FFF2-40B4-BE49-F238E27FC236}">
-                <a16:creationId xmlns:a16="http://schemas.microsoft.com/office/drawing/2014/main" id="{89B78082-63C5-4051-BE49-01733C3D6F05}"/>
+                <a16:creationId xmlns:a16="http://schemas.microsoft.com/office/drawing/2014/main" id="{6BFEEB0F-45FC-9032-E877-16E4DBF8AEE7}"/>
               </a:ext>
             </a:extLst>
           </p:cNvPr>
